--- a/Data Mining Project/Week1Slides.pptx
+++ b/Data Mining Project/Week1Slides.pptx
@@ -110,6 +110,11 @@
       </a:defRPr>
     </a:lvl9pPr>
   </p:defaultTextStyle>
+  <p:extLst>
+    <p:ext uri="{EFAFB233-063F-42B5-8137-9DF3F51BA10A}">
+      <p15:sldGuideLst xmlns:p15="http://schemas.microsoft.com/office/powerpoint/2012/main"/>
+    </p:ext>
+  </p:extLst>
 </p:presentation>
 </file>
 
@@ -575,7 +580,7 @@
           <a:p>
             <a:fld id="{DDA51639-B2D6-4652-B8C3-1B4C224A7BAF}" type="datetimeFigureOut">
               <a:rPr lang="en-US" dirty="0"/>
-              <a:t>8/8/2024</a:t>
+              <a:t>8/10/2024</a:t>
             </a:fld>
             <a:endParaRPr lang="en-US" dirty="0"/>
           </a:p>
@@ -773,7 +778,7 @@
           <a:p>
             <a:fld id="{D11A6AA8-A04B-4104-9AE2-BD48D340E27F}" type="datetimeFigureOut">
               <a:rPr lang="en-US" dirty="0"/>
-              <a:t>8/8/2024</a:t>
+              <a:t>8/10/2024</a:t>
             </a:fld>
             <a:endParaRPr lang="en-US" dirty="0"/>
           </a:p>
@@ -948,7 +953,7 @@
           <a:p>
             <a:fld id="{B4E0BF79-FAC6-4A96-8DE1-F7B82E2E1652}" type="datetimeFigureOut">
               <a:rPr lang="en-US" dirty="0"/>
-              <a:t>8/8/2024</a:t>
+              <a:t>8/10/2024</a:t>
             </a:fld>
             <a:endParaRPr lang="en-US" dirty="0"/>
           </a:p>
@@ -1113,7 +1118,7 @@
           <a:p>
             <a:fld id="{82FF5DD9-2C52-442D-92E2-8072C0C3D7CD}" type="datetimeFigureOut">
               <a:rPr lang="en-US" dirty="0"/>
-              <a:t>8/8/2024</a:t>
+              <a:t>8/10/2024</a:t>
             </a:fld>
             <a:endParaRPr lang="en-US" dirty="0"/>
           </a:p>
@@ -1680,7 +1685,7 @@
           <a:p>
             <a:fld id="{C44961B7-6B89-48AB-966F-622E2788EECC}" type="datetimeFigureOut">
               <a:rPr lang="en-US" dirty="0"/>
-              <a:t>8/8/2024</a:t>
+              <a:t>8/10/2024</a:t>
             </a:fld>
             <a:endParaRPr lang="en-US" dirty="0"/>
           </a:p>
@@ -1977,7 +1982,7 @@
           <a:p>
             <a:fld id="{DBD3D6FB-79CC-4683-A046-BBE785BA1BED}" type="datetimeFigureOut">
               <a:rPr lang="en-US" dirty="0"/>
-              <a:t>8/8/2024</a:t>
+              <a:t>8/10/2024</a:t>
             </a:fld>
             <a:endParaRPr lang="en-US" dirty="0"/>
           </a:p>
@@ -2409,7 +2414,7 @@
           <a:p>
             <a:fld id="{9512B3E8-48F1-4B23-8498-D8A04A81EC9C}" type="datetimeFigureOut">
               <a:rPr lang="en-US" dirty="0"/>
-              <a:t>8/8/2024</a:t>
+              <a:t>8/10/2024</a:t>
             </a:fld>
             <a:endParaRPr lang="en-US" dirty="0"/>
           </a:p>
@@ -2522,7 +2527,7 @@
           <a:p>
             <a:fld id="{10B90D90-AA62-404D-A741-635B4370F9CB}" type="datetimeFigureOut">
               <a:rPr lang="en-US" dirty="0"/>
-              <a:t>8/8/2024</a:t>
+              <a:t>8/10/2024</a:t>
             </a:fld>
             <a:endParaRPr lang="en-US" dirty="0"/>
           </a:p>
@@ -2612,7 +2617,7 @@
           <a:p>
             <a:fld id="{A57002E4-6836-46D1-9DBB-3C27C0DD3A89}" type="datetimeFigureOut">
               <a:rPr lang="en-US" dirty="0"/>
-              <a:t>8/8/2024</a:t>
+              <a:t>8/10/2024</a:t>
             </a:fld>
             <a:endParaRPr lang="en-US" dirty="0"/>
           </a:p>
@@ -2989,7 +2994,7 @@
           <a:p>
             <a:fld id="{1CF131DD-A141-4471-BCF9-C6073EDD7E20}" type="datetimeFigureOut">
               <a:rPr lang="en-US" dirty="0"/>
-              <a:t>8/8/2024</a:t>
+              <a:t>8/10/2024</a:t>
             </a:fld>
             <a:endParaRPr lang="en-US" dirty="0"/>
           </a:p>
@@ -3379,7 +3384,7 @@
           <a:p>
             <a:fld id="{AB334A90-EB03-42F3-8859-2C2B2724C058}" type="datetimeFigureOut">
               <a:rPr lang="en-US" dirty="0"/>
-              <a:t>8/8/2024</a:t>
+              <a:t>8/10/2024</a:t>
             </a:fld>
             <a:endParaRPr lang="en-US" dirty="0"/>
           </a:p>
@@ -3688,7 +3693,7 @@
           <a:p>
             <a:fld id="{CBC48EC7-AF6A-48D3-8284-14BACBEBDD84}" type="datetimeFigureOut">
               <a:rPr lang="en-US" dirty="0"/>
-              <a:t>8/8/2024</a:t>
+              <a:t>8/10/2024</a:t>
             </a:fld>
             <a:endParaRPr lang="en-US" dirty="0"/>
           </a:p>
@@ -4211,7 +4216,11 @@
           <a:bodyPr/>
           <a:lstStyle/>
           <a:p>
-            <a:endParaRPr lang="en-MY"/>
+            <a:r>
+              <a:rPr lang="en-US" b="1" dirty="0" smtClean="0"/>
+              <a:t>August 2024</a:t>
+            </a:r>
+            <a:endParaRPr lang="en-MY" b="1" dirty="0"/>
           </a:p>
         </p:txBody>
       </p:sp>
@@ -4269,8 +4278,8 @@
         </p:blipFill>
         <p:spPr>
           <a:xfrm>
-            <a:off x="452847" y="348343"/>
-            <a:ext cx="11016342" cy="6196983"/>
+            <a:off x="235130" y="225872"/>
+            <a:ext cx="11739155" cy="6392641"/>
           </a:xfrm>
         </p:spPr>
       </p:pic>
@@ -4328,8 +4337,8 @@
         </p:blipFill>
         <p:spPr>
           <a:xfrm>
-            <a:off x="592183" y="497837"/>
-            <a:ext cx="11120845" cy="5937054"/>
+            <a:off x="255752" y="261257"/>
+            <a:ext cx="11692408" cy="6348549"/>
           </a:xfrm>
         </p:spPr>
       </p:pic>
@@ -4387,8 +4396,8 @@
         </p:blipFill>
         <p:spPr>
           <a:xfrm>
-            <a:off x="496388" y="438854"/>
-            <a:ext cx="11234057" cy="6135843"/>
+            <a:off x="227769" y="191590"/>
+            <a:ext cx="11729099" cy="6426924"/>
           </a:xfrm>
         </p:spPr>
       </p:pic>
@@ -4446,8 +4455,8 @@
         </p:blipFill>
         <p:spPr>
           <a:xfrm>
-            <a:off x="583474" y="375067"/>
-            <a:ext cx="11146972" cy="6064661"/>
+            <a:off x="226421" y="233694"/>
+            <a:ext cx="11791407" cy="6393529"/>
           </a:xfrm>
         </p:spPr>
       </p:pic>
@@ -4505,8 +4514,8 @@
         </p:blipFill>
         <p:spPr>
           <a:xfrm>
-            <a:off x="557349" y="468539"/>
-            <a:ext cx="11059885" cy="6063773"/>
+            <a:off x="260233" y="226423"/>
+            <a:ext cx="11705344" cy="6357257"/>
           </a:xfrm>
         </p:spPr>
       </p:pic>
@@ -4564,8 +4573,8 @@
         </p:blipFill>
         <p:spPr>
           <a:xfrm>
-            <a:off x="391886" y="308885"/>
-            <a:ext cx="11317696" cy="6179000"/>
+            <a:off x="269966" y="215395"/>
+            <a:ext cx="11695611" cy="6411827"/>
           </a:xfrm>
         </p:spPr>
       </p:pic>
